--- a/material-extra/Aspectos generales Accesibilidad apps.pptx
+++ b/material-extra/Aspectos generales Accesibilidad apps.pptx
@@ -263,7 +263,7 @@
           <a:p>
             <a:fld id="{DF6FEF4D-0142-46B4-AC7F-5B868160AD8E}" type="datetimeFigureOut">
               <a:rPr lang="es-ES" smtClean="0"/>
-              <a:t>15/10/2019</a:t>
+              <a:t>24/10/2019</a:t>
             </a:fld>
             <a:endParaRPr lang="es-ES" dirty="0"/>
           </a:p>
@@ -1445,7 +1445,7 @@
           <a:p>
             <a:fld id="{9290BFDE-1D6E-4E03-A53A-F1B29D2D0A86}" type="datetime1">
               <a:rPr lang="es-ES" smtClean="0"/>
-              <a:t>15/10/2019</a:t>
+              <a:t>24/10/2019</a:t>
             </a:fld>
             <a:endParaRPr lang="es-ES" dirty="0"/>
           </a:p>
@@ -1615,7 +1615,7 @@
           <a:p>
             <a:fld id="{A02143F0-BAC6-4443-92A3-9EA2CC19B9B7}" type="datetime1">
               <a:rPr lang="es-ES" smtClean="0"/>
-              <a:t>15/10/2019</a:t>
+              <a:t>24/10/2019</a:t>
             </a:fld>
             <a:endParaRPr lang="es-ES" dirty="0"/>
           </a:p>
@@ -1795,7 +1795,7 @@
           <a:p>
             <a:fld id="{9A67633C-AB28-4AC7-B7B0-41DFBCF1B247}" type="datetime1">
               <a:rPr lang="es-ES" smtClean="0"/>
-              <a:t>15/10/2019</a:t>
+              <a:t>24/10/2019</a:t>
             </a:fld>
             <a:endParaRPr lang="es-ES" dirty="0"/>
           </a:p>
@@ -1987,7 +1987,7 @@
           <a:p>
             <a:fld id="{960B338E-2CA8-4990-93F8-04B6F142715C}" type="datetimeFigureOut">
               <a:rPr lang="es-ES" smtClean="0"/>
-              <a:t>15/10/2019</a:t>
+              <a:t>24/10/2019</a:t>
             </a:fld>
             <a:endParaRPr lang="es-ES"/>
           </a:p>
@@ -2157,7 +2157,7 @@
           <a:p>
             <a:fld id="{960B338E-2CA8-4990-93F8-04B6F142715C}" type="datetimeFigureOut">
               <a:rPr lang="es-ES" smtClean="0"/>
-              <a:t>15/10/2019</a:t>
+              <a:t>24/10/2019</a:t>
             </a:fld>
             <a:endParaRPr lang="es-ES"/>
           </a:p>
@@ -2403,7 +2403,7 @@
           <a:p>
             <a:fld id="{960B338E-2CA8-4990-93F8-04B6F142715C}" type="datetimeFigureOut">
               <a:rPr lang="es-ES" smtClean="0"/>
-              <a:t>15/10/2019</a:t>
+              <a:t>24/10/2019</a:t>
             </a:fld>
             <a:endParaRPr lang="es-ES"/>
           </a:p>
@@ -2635,7 +2635,7 @@
           <a:p>
             <a:fld id="{960B338E-2CA8-4990-93F8-04B6F142715C}" type="datetimeFigureOut">
               <a:rPr lang="es-ES" smtClean="0"/>
-              <a:t>15/10/2019</a:t>
+              <a:t>24/10/2019</a:t>
             </a:fld>
             <a:endParaRPr lang="es-ES"/>
           </a:p>
@@ -3002,7 +3002,7 @@
           <a:p>
             <a:fld id="{960B338E-2CA8-4990-93F8-04B6F142715C}" type="datetimeFigureOut">
               <a:rPr lang="es-ES" smtClean="0"/>
-              <a:t>15/10/2019</a:t>
+              <a:t>24/10/2019</a:t>
             </a:fld>
             <a:endParaRPr lang="es-ES"/>
           </a:p>
@@ -3120,7 +3120,7 @@
           <a:p>
             <a:fld id="{960B338E-2CA8-4990-93F8-04B6F142715C}" type="datetimeFigureOut">
               <a:rPr lang="es-ES" smtClean="0"/>
-              <a:t>15/10/2019</a:t>
+              <a:t>24/10/2019</a:t>
             </a:fld>
             <a:endParaRPr lang="es-ES"/>
           </a:p>
@@ -3215,7 +3215,7 @@
           <a:p>
             <a:fld id="{960B338E-2CA8-4990-93F8-04B6F142715C}" type="datetimeFigureOut">
               <a:rPr lang="es-ES" smtClean="0"/>
-              <a:t>15/10/2019</a:t>
+              <a:t>24/10/2019</a:t>
             </a:fld>
             <a:endParaRPr lang="es-ES"/>
           </a:p>
@@ -3428,7 +3428,7 @@
           <a:p>
             <a:fld id="{29A70EA5-8E19-4BC4-934C-2C82A50D6490}" type="datetime1">
               <a:rPr lang="es-ES" smtClean="0"/>
-              <a:t>15/10/2019</a:t>
+              <a:t>24/10/2019</a:t>
             </a:fld>
             <a:endParaRPr lang="es-ES" dirty="0"/>
           </a:p>
@@ -3710,7 +3710,7 @@
           <a:p>
             <a:fld id="{960B338E-2CA8-4990-93F8-04B6F142715C}" type="datetimeFigureOut">
               <a:rPr lang="es-ES" smtClean="0"/>
-              <a:t>15/10/2019</a:t>
+              <a:t>24/10/2019</a:t>
             </a:fld>
             <a:endParaRPr lang="es-ES"/>
           </a:p>
@@ -3963,7 +3963,7 @@
           <a:p>
             <a:fld id="{960B338E-2CA8-4990-93F8-04B6F142715C}" type="datetimeFigureOut">
               <a:rPr lang="es-ES" smtClean="0"/>
-              <a:t>15/10/2019</a:t>
+              <a:t>24/10/2019</a:t>
             </a:fld>
             <a:endParaRPr lang="es-ES"/>
           </a:p>
@@ -4133,7 +4133,7 @@
           <a:p>
             <a:fld id="{960B338E-2CA8-4990-93F8-04B6F142715C}" type="datetimeFigureOut">
               <a:rPr lang="es-ES" smtClean="0"/>
-              <a:t>15/10/2019</a:t>
+              <a:t>24/10/2019</a:t>
             </a:fld>
             <a:endParaRPr lang="es-ES"/>
           </a:p>
@@ -4313,7 +4313,7 @@
           <a:p>
             <a:fld id="{960B338E-2CA8-4990-93F8-04B6F142715C}" type="datetimeFigureOut">
               <a:rPr lang="es-ES" smtClean="0"/>
-              <a:t>15/10/2019</a:t>
+              <a:t>24/10/2019</a:t>
             </a:fld>
             <a:endParaRPr lang="es-ES"/>
           </a:p>
@@ -4526,7 +4526,7 @@
           <a:p>
             <a:fld id="{29A70EA5-8E19-4BC4-934C-2C82A50D6490}" type="datetime1">
               <a:rPr lang="es-ES" smtClean="0"/>
-              <a:t>15/10/2019</a:t>
+              <a:t>24/10/2019</a:t>
             </a:fld>
             <a:endParaRPr lang="es-ES" dirty="0"/>
           </a:p>
@@ -4763,7 +4763,7 @@
           <a:p>
             <a:fld id="{A36C9D08-3C16-416B-B8F9-4D4A629F38C9}" type="datetime1">
               <a:rPr lang="es-ES" smtClean="0"/>
-              <a:t>15/10/2019</a:t>
+              <a:t>24/10/2019</a:t>
             </a:fld>
             <a:endParaRPr lang="es-ES" dirty="0"/>
           </a:p>
@@ -5130,7 +5130,7 @@
           <a:p>
             <a:fld id="{69E1E605-5CBB-40FE-87B4-05B62A5CAB7C}" type="datetime1">
               <a:rPr lang="es-ES" smtClean="0"/>
-              <a:t>15/10/2019</a:t>
+              <a:t>24/10/2019</a:t>
             </a:fld>
             <a:endParaRPr lang="es-ES" dirty="0"/>
           </a:p>
@@ -5248,7 +5248,7 @@
           <a:p>
             <a:fld id="{5EC06281-1CDF-413F-B502-D8EF9109D251}" type="datetime1">
               <a:rPr lang="es-ES" smtClean="0"/>
-              <a:t>15/10/2019</a:t>
+              <a:t>24/10/2019</a:t>
             </a:fld>
             <a:endParaRPr lang="es-ES" dirty="0"/>
           </a:p>
@@ -5366,7 +5366,7 @@
           <a:p>
             <a:fld id="{82C46C39-2265-4ECA-84D0-AFE501AC4C1C}" type="datetime1">
               <a:rPr lang="es-ES" smtClean="0"/>
-              <a:t>15/10/2019</a:t>
+              <a:t>24/10/2019</a:t>
             </a:fld>
             <a:endParaRPr lang="es-ES" dirty="0"/>
           </a:p>
@@ -5461,7 +5461,7 @@
           <a:p>
             <a:fld id="{350D3683-7933-4D92-B730-4B8490CCDF4B}" type="datetime1">
               <a:rPr lang="es-ES" smtClean="0"/>
-              <a:t>15/10/2019</a:t>
+              <a:t>24/10/2019</a:t>
             </a:fld>
             <a:endParaRPr lang="es-ES" dirty="0"/>
           </a:p>
@@ -5738,7 +5738,7 @@
           <a:p>
             <a:fld id="{5C35D45B-6432-4BD4-BB2B-6E8E1493A879}" type="datetime1">
               <a:rPr lang="es-ES" smtClean="0"/>
-              <a:t>15/10/2019</a:t>
+              <a:t>24/10/2019</a:t>
             </a:fld>
             <a:endParaRPr lang="es-ES" dirty="0"/>
           </a:p>
@@ -5951,7 +5951,7 @@
           <a:p>
             <a:fld id="{82C46C39-2265-4ECA-84D0-AFE501AC4C1C}" type="datetime1">
               <a:rPr lang="es-ES" smtClean="0"/>
-              <a:t>15/10/2019</a:t>
+              <a:t>24/10/2019</a:t>
             </a:fld>
             <a:endParaRPr lang="es-ES" dirty="0"/>
           </a:p>
@@ -6493,7 +6493,7 @@
           <a:p>
             <a:fld id="{960B338E-2CA8-4990-93F8-04B6F142715C}" type="datetimeFigureOut">
               <a:rPr lang="es-ES" smtClean="0"/>
-              <a:t>15/10/2019</a:t>
+              <a:t>24/10/2019</a:t>
             </a:fld>
             <a:endParaRPr lang="es-ES"/>
           </a:p>
@@ -6944,7 +6944,7 @@
         </p:spPr>
         <p:txBody>
           <a:bodyPr>
-            <a:normAutofit lnSpcReduction="10000"/>
+            <a:normAutofit/>
           </a:bodyPr>
           <a:lstStyle/>
           <a:p>
@@ -6959,13 +6959,6 @@
               </a:rPr>
               <a:t>José Ramón Hilera González</a:t>
             </a:r>
-            <a:r>
-              <a:rPr lang="en-US" b="1" smtClean="0"/>
-              <a:t/>
-            </a:r>
-            <a:br>
-              <a:rPr lang="en-US" b="1" smtClean="0"/>
-            </a:br>
             <a:r>
               <a:rPr lang="en-US" b="1" dirty="0" smtClean="0"/>
               <a:t/>
@@ -6974,6 +6967,17 @@
               <a:rPr lang="en-US" b="1" dirty="0" smtClean="0"/>
             </a:br>
             <a:r>
+              <a:rPr lang="en-US" sz="2000" dirty="0" smtClean="0"/>
+              <a:t>jose.hilera@uah.es</a:t>
+            </a:r>
+            <a:r>
+              <a:rPr lang="en-US" sz="2000" b="1" dirty="0" smtClean="0"/>
+              <a:t/>
+            </a:r>
+            <a:br>
+              <a:rPr lang="en-US" sz="2000" b="1" dirty="0" smtClean="0"/>
+            </a:br>
+            <a:r>
               <a:rPr lang="en-US" sz="2000" dirty="0" smtClean="0">
                 <a:hlinkClick r:id="rId4"/>
               </a:rPr>
@@ -6988,8 +6992,12 @@
           <a:p>
             <a:pPr algn="r"/>
             <a:r>
+              <a:rPr lang="en-US" b="1" i="1" smtClean="0"/>
+              <a:t>(2019</a:t>
+            </a:r>
+            <a:r>
               <a:rPr lang="en-US" b="1" i="1" dirty="0" smtClean="0"/>
-              <a:t>(2019)</a:t>
+              <a:t>)</a:t>
             </a:r>
             <a:endParaRPr lang="es-ES" i="1" dirty="0" smtClean="0"/>
           </a:p>
@@ -17010,14 +17018,14 @@
                 <a:gridCol w="5513388">
                   <a:extLst>
                     <a:ext uri="{9D8B030D-6E8A-4147-A177-3AD203B41FA5}">
-                      <a16:colId xmlns:a16="http://schemas.microsoft.com/office/drawing/2014/main" xmlns="" val="20000"/>
+                      <a16:colId xmlns="" xmlns:a16="http://schemas.microsoft.com/office/drawing/2014/main" val="20000"/>
                     </a:ext>
                   </a:extLst>
                 </a:gridCol>
                 <a:gridCol w="5513388">
                   <a:extLst>
                     <a:ext uri="{9D8B030D-6E8A-4147-A177-3AD203B41FA5}">
-                      <a16:colId xmlns:a16="http://schemas.microsoft.com/office/drawing/2014/main" xmlns="" val="20001"/>
+                      <a16:colId xmlns="" xmlns:a16="http://schemas.microsoft.com/office/drawing/2014/main" val="20001"/>
                     </a:ext>
                   </a:extLst>
                 </a:gridCol>
@@ -17059,7 +17067,7 @@
                 </a:tc>
                 <a:extLst>
                   <a:ext uri="{0D108BD9-81ED-4DB2-BD59-A6C34878D82A}">
-                    <a16:rowId xmlns:a16="http://schemas.microsoft.com/office/drawing/2014/main" xmlns="" val="10000"/>
+                    <a16:rowId xmlns="" xmlns:a16="http://schemas.microsoft.com/office/drawing/2014/main" val="10000"/>
                   </a:ext>
                 </a:extLst>
               </a:tr>
@@ -17164,7 +17172,7 @@
                 </a:tc>
                 <a:extLst>
                   <a:ext uri="{0D108BD9-81ED-4DB2-BD59-A6C34878D82A}">
-                    <a16:rowId xmlns:a16="http://schemas.microsoft.com/office/drawing/2014/main" xmlns="" val="10001"/>
+                    <a16:rowId xmlns="" xmlns:a16="http://schemas.microsoft.com/office/drawing/2014/main" val="10001"/>
                   </a:ext>
                 </a:extLst>
               </a:tr>
@@ -17239,7 +17247,7 @@
                 </a:tc>
                 <a:extLst>
                   <a:ext uri="{0D108BD9-81ED-4DB2-BD59-A6C34878D82A}">
-                    <a16:rowId xmlns:a16="http://schemas.microsoft.com/office/drawing/2014/main" xmlns="" val="10002"/>
+                    <a16:rowId xmlns="" xmlns:a16="http://schemas.microsoft.com/office/drawing/2014/main" val="10002"/>
                   </a:ext>
                 </a:extLst>
               </a:tr>
@@ -17704,14 +17712,14 @@
                 <a:gridCol w="5513388">
                   <a:extLst>
                     <a:ext uri="{9D8B030D-6E8A-4147-A177-3AD203B41FA5}">
-                      <a16:colId xmlns:a16="http://schemas.microsoft.com/office/drawing/2014/main" xmlns="" val="20000"/>
+                      <a16:colId xmlns="" xmlns:a16="http://schemas.microsoft.com/office/drawing/2014/main" val="20000"/>
                     </a:ext>
                   </a:extLst>
                 </a:gridCol>
                 <a:gridCol w="5513388">
                   <a:extLst>
                     <a:ext uri="{9D8B030D-6E8A-4147-A177-3AD203B41FA5}">
-                      <a16:colId xmlns:a16="http://schemas.microsoft.com/office/drawing/2014/main" xmlns="" val="20001"/>
+                      <a16:colId xmlns="" xmlns:a16="http://schemas.microsoft.com/office/drawing/2014/main" val="20001"/>
                     </a:ext>
                   </a:extLst>
                 </a:gridCol>
@@ -17753,7 +17761,7 @@
                 </a:tc>
                 <a:extLst>
                   <a:ext uri="{0D108BD9-81ED-4DB2-BD59-A6C34878D82A}">
-                    <a16:rowId xmlns:a16="http://schemas.microsoft.com/office/drawing/2014/main" xmlns="" val="10000"/>
+                    <a16:rowId xmlns="" xmlns:a16="http://schemas.microsoft.com/office/drawing/2014/main" val="10000"/>
                   </a:ext>
                 </a:extLst>
               </a:tr>
@@ -17820,7 +17828,7 @@
                 </a:tc>
                 <a:extLst>
                   <a:ext uri="{0D108BD9-81ED-4DB2-BD59-A6C34878D82A}">
-                    <a16:rowId xmlns:a16="http://schemas.microsoft.com/office/drawing/2014/main" xmlns="" val="10001"/>
+                    <a16:rowId xmlns="" xmlns:a16="http://schemas.microsoft.com/office/drawing/2014/main" val="10001"/>
                   </a:ext>
                 </a:extLst>
               </a:tr>
@@ -17929,7 +17937,7 @@
                 </a:tc>
                 <a:extLst>
                   <a:ext uri="{0D108BD9-81ED-4DB2-BD59-A6C34878D82A}">
-                    <a16:rowId xmlns:a16="http://schemas.microsoft.com/office/drawing/2014/main" xmlns="" val="10002"/>
+                    <a16:rowId xmlns="" xmlns:a16="http://schemas.microsoft.com/office/drawing/2014/main" val="10002"/>
                   </a:ext>
                 </a:extLst>
               </a:tr>
@@ -19995,7 +20003,7 @@
 </file>
 
 <file path=ppt/slides/slide59.xml><?xml version="1.0" encoding="utf-8"?>
-<p:sld xmlns:a="http://schemas.openxmlformats.org/drawingml/2006/main" xmlns:r="http://schemas.openxmlformats.org/officeDocument/2006/relationships" xmlns:p="http://schemas.openxmlformats.org/presentationml/2006/main" show="0">
+<p:sld xmlns:a="http://schemas.openxmlformats.org/drawingml/2006/main" xmlns:r="http://schemas.openxmlformats.org/officeDocument/2006/relationships" xmlns:p="http://schemas.openxmlformats.org/presentationml/2006/main">
   <p:cSld>
     <p:spTree>
       <p:nvGrpSpPr>
@@ -20061,11 +20069,7 @@
             </a:r>
             <a:r>
               <a:rPr lang="es-ES" dirty="0" smtClean="0"/>
-              <a:t>con </a:t>
-            </a:r>
-            <a:r>
-              <a:rPr lang="es-ES" dirty="0" smtClean="0"/>
-              <a:t>Espresso</a:t>
+              <a:t>con Espresso</a:t>
             </a:r>
             <a:r>
               <a:rPr lang="es-ES" dirty="0"/>
@@ -20706,7 +20710,7 @@
 </file>
 
 <file path=ppt/slides/slide60.xml><?xml version="1.0" encoding="utf-8"?>
-<p:sld xmlns:a="http://schemas.openxmlformats.org/drawingml/2006/main" xmlns:r="http://schemas.openxmlformats.org/officeDocument/2006/relationships" xmlns:p="http://schemas.openxmlformats.org/presentationml/2006/main" show="0">
+<p:sld xmlns:a="http://schemas.openxmlformats.org/drawingml/2006/main" xmlns:r="http://schemas.openxmlformats.org/officeDocument/2006/relationships" xmlns:p="http://schemas.openxmlformats.org/presentationml/2006/main">
   <p:cSld>
     <p:spTree>
       <p:nvGrpSpPr>
@@ -20940,7 +20944,7 @@
 </file>
 
 <file path=ppt/slides/slide61.xml><?xml version="1.0" encoding="utf-8"?>
-<p:sld xmlns:a="http://schemas.openxmlformats.org/drawingml/2006/main" xmlns:r="http://schemas.openxmlformats.org/officeDocument/2006/relationships" xmlns:p="http://schemas.openxmlformats.org/presentationml/2006/main" show="0">
+<p:sld xmlns:a="http://schemas.openxmlformats.org/drawingml/2006/main" xmlns:r="http://schemas.openxmlformats.org/officeDocument/2006/relationships" xmlns:p="http://schemas.openxmlformats.org/presentationml/2006/main">
   <p:cSld>
     <p:spTree>
       <p:nvGrpSpPr>
